--- a/problem_presentation/CS412 - final project presentation TSP .pptx
+++ b/problem_presentation/CS412 - final project presentation TSP .pptx
@@ -29,7 +29,7 @@
   <p:notesSz cx="6858000" cy="9144000"/>
   <p:embeddedFontLst>
     <p:embeddedFont>
-      <p:font typeface="Nunito" pitchFamily="2" charset="0"/>
+      <p:font typeface="Nunito" pitchFamily="2" charset="77"/>
       <p:regular r:id="rId19"/>
       <p:bold r:id="rId20"/>
       <p:italic r:id="rId21"/>
@@ -13793,6 +13793,29 @@
           <a:bodyPr/>
           <a:lstStyle/>
           <a:p>
+            <a:pPr marL="146050" indent="0">
+              <a:buNone/>
+            </a:pPr>
+            <a:r>
+              <a:rPr lang="en-US" b="1" dirty="0">
+                <a:solidFill>
+                  <a:srgbClr val="273540"/>
+                </a:solidFill>
+                <a:latin typeface="Lato Extended"/>
+              </a:rPr>
+              <a:t>Algorithm Type:</a:t>
+            </a:r>
+          </a:p>
+          <a:p>
+            <a:r>
+              <a:rPr lang="en-US" b="1" dirty="0">
+                <a:solidFill>
+                  <a:srgbClr val="273540"/>
+                </a:solidFill>
+                <a:latin typeface="Lato Extended"/>
+              </a:rPr>
+              <a:t>Greedy</a:t>
+            </a:r>
             <a:r>
               <a:rPr lang="en-US" dirty="0">
                 <a:solidFill>
@@ -13800,9 +13823,70 @@
                 </a:solidFill>
                 <a:latin typeface="Lato Extended"/>
               </a:rPr>
-              <a:t>Should also include an analytical (Big-O) runtime analysis </a:t>
-            </a:r>
-            <a:endParaRPr lang="en-US" dirty="0"/>
+              <a:t>: Check every possible variation of travel for the ”best” result.</a:t>
+            </a:r>
+          </a:p>
+          <a:p>
+            <a:r>
+              <a:rPr lang="en-US" b="1" dirty="0">
+                <a:solidFill>
+                  <a:srgbClr val="273540"/>
+                </a:solidFill>
+                <a:latin typeface="Lato Extended"/>
+              </a:rPr>
+              <a:t>Anytime</a:t>
+            </a:r>
+            <a:r>
+              <a:rPr lang="en-US" dirty="0">
+                <a:solidFill>
+                  <a:srgbClr val="273540"/>
+                </a:solidFill>
+                <a:latin typeface="Lato Extended"/>
+              </a:rPr>
+              <a:t>: Produces optimal tour regardless of starting node.</a:t>
+            </a:r>
+          </a:p>
+          <a:p>
+            <a:r>
+              <a:rPr lang="en-US" b="1" dirty="0">
+                <a:solidFill>
+                  <a:srgbClr val="273540"/>
+                </a:solidFill>
+                <a:latin typeface="Lato Extended"/>
+              </a:rPr>
+              <a:t>Non-deterministic</a:t>
+            </a:r>
+            <a:r>
+              <a:rPr lang="en-US" dirty="0">
+                <a:solidFill>
+                  <a:srgbClr val="273540"/>
+                </a:solidFill>
+                <a:latin typeface="Lato Extended"/>
+              </a:rPr>
+              <a:t>: Will always produce an optimal tour, but may differ if multiple paths have the same cost.</a:t>
+            </a:r>
+          </a:p>
+          <a:p>
+            <a:endParaRPr lang="en-US" dirty="0">
+              <a:solidFill>
+                <a:srgbClr val="273540"/>
+              </a:solidFill>
+              <a:latin typeface="Lato Extended"/>
+            </a:endParaRPr>
+          </a:p>
+          <a:p>
+            <a:endParaRPr lang="en-US" dirty="0">
+              <a:solidFill>
+                <a:srgbClr val="273540"/>
+              </a:solidFill>
+              <a:latin typeface="Lato Extended"/>
+            </a:endParaRPr>
+          </a:p>
+          <a:p>
+            <a:r>
+              <a:rPr lang="en-US" b="1" dirty="0"/>
+              <a:t>Run Time: O(n!)</a:t>
+            </a:r>
           </a:p>
           <a:p>
             <a:endParaRPr lang="en-US" dirty="0"/>
@@ -13873,6 +13957,259 @@
               <a:t>Exact Code Solution - Pseudocode </a:t>
             </a:r>
             <a:endParaRPr/>
+          </a:p>
+        </p:txBody>
+      </p:sp>
+      <p:sp>
+        <p:nvSpPr>
+          <p:cNvPr id="3" name="TextBox 2">
+            <a:extLst>
+              <a:ext uri="{FF2B5EF4-FFF2-40B4-BE49-F238E27FC236}">
+                <a16:creationId xmlns:a16="http://schemas.microsoft.com/office/drawing/2014/main" id="{83D1B27A-DAE1-A21F-44BE-8EA843A9EF6B}"/>
+              </a:ext>
+            </a:extLst>
+          </p:cNvPr>
+          <p:cNvSpPr txBox="1"/>
+          <p:nvPr/>
+        </p:nvSpPr>
+        <p:spPr>
+          <a:xfrm>
+            <a:off x="762000" y="1313793"/>
+            <a:ext cx="5798382" cy="3108543"/>
+          </a:xfrm>
+          <a:prstGeom prst="rect">
+            <a:avLst/>
+          </a:prstGeom>
+          <a:noFill/>
+        </p:spPr>
+        <p:txBody>
+          <a:bodyPr wrap="none" rtlCol="0">
+            <a:spAutoFit/>
+          </a:bodyPr>
+          <a:lstStyle/>
+          <a:p>
+            <a:r>
+              <a:rPr lang="en-US" dirty="0"/>
+              <a:t>while !empty(stack):</a:t>
+            </a:r>
+          </a:p>
+          <a:p>
+            <a:r>
+              <a:rPr lang="en-US" dirty="0"/>
+              <a:t>	node = </a:t>
+            </a:r>
+            <a:r>
+              <a:rPr lang="en-US" dirty="0" err="1"/>
+              <a:t>stack.pop</a:t>
+            </a:r>
+            <a:r>
+              <a:rPr lang="en-US" dirty="0"/>
+              <a:t>()</a:t>
+            </a:r>
+          </a:p>
+          <a:p>
+            <a:r>
+              <a:rPr lang="en-US" dirty="0"/>
+              <a:t>	</a:t>
+            </a:r>
+            <a:r>
+              <a:rPr lang="en-US" dirty="0" err="1"/>
+              <a:t>path.append</a:t>
+            </a:r>
+            <a:r>
+              <a:rPr lang="en-US" dirty="0"/>
+              <a:t>(node)</a:t>
+            </a:r>
+          </a:p>
+          <a:p>
+            <a:endParaRPr lang="en-US" dirty="0"/>
+          </a:p>
+          <a:p>
+            <a:r>
+              <a:rPr lang="en-US" dirty="0"/>
+              <a:t>	if </a:t>
+            </a:r>
+            <a:r>
+              <a:rPr lang="en-US" dirty="0" err="1"/>
+              <a:t>start_node</a:t>
+            </a:r>
+            <a:r>
+              <a:rPr lang="en-US" dirty="0"/>
+              <a:t>(node):</a:t>
+            </a:r>
+          </a:p>
+          <a:p>
+            <a:r>
+              <a:rPr lang="en-US" dirty="0"/>
+              <a:t>		if shortest(path):</a:t>
+            </a:r>
+          </a:p>
+          <a:p>
+            <a:r>
+              <a:rPr lang="en-US" dirty="0"/>
+              <a:t>			</a:t>
+            </a:r>
+            <a:r>
+              <a:rPr lang="en-US" dirty="0" err="1"/>
+              <a:t>shortest_path</a:t>
+            </a:r>
+            <a:r>
+              <a:rPr lang="en-US" dirty="0"/>
+              <a:t> = path</a:t>
+            </a:r>
+          </a:p>
+          <a:p>
+            <a:r>
+              <a:rPr lang="en-US" dirty="0"/>
+              <a:t>	</a:t>
+            </a:r>
+          </a:p>
+          <a:p>
+            <a:r>
+              <a:rPr lang="en-US" dirty="0"/>
+              <a:t>	for (edges):</a:t>
+            </a:r>
+          </a:p>
+          <a:p>
+            <a:r>
+              <a:rPr lang="en-US" dirty="0"/>
+              <a:t>		if !</a:t>
+            </a:r>
+            <a:r>
+              <a:rPr lang="en-US" dirty="0" err="1"/>
+              <a:t>edge_traveled</a:t>
+            </a:r>
+            <a:r>
+              <a:rPr lang="en-US" dirty="0"/>
+              <a:t>(edge): // </a:t>
+            </a:r>
+            <a:r>
+              <a:rPr lang="en-US" dirty="0" err="1"/>
+              <a:t>Memozation</a:t>
+            </a:r>
+            <a:r>
+              <a:rPr lang="en-US" dirty="0"/>
+              <a:t> required!</a:t>
+            </a:r>
+          </a:p>
+          <a:p>
+            <a:r>
+              <a:rPr lang="en-US" dirty="0"/>
+              <a:t>			</a:t>
+            </a:r>
+            <a:r>
+              <a:rPr lang="en-US" dirty="0" err="1"/>
+              <a:t>stack.append</a:t>
+            </a:r>
+            <a:r>
+              <a:rPr lang="en-US" dirty="0"/>
+              <a:t>(</a:t>
+            </a:r>
+            <a:r>
+              <a:rPr lang="en-US" dirty="0" err="1"/>
+              <a:t>dest_node</a:t>
+            </a:r>
+            <a:r>
+              <a:rPr lang="en-US" dirty="0"/>
+              <a:t>)</a:t>
+            </a:r>
+          </a:p>
+          <a:p>
+            <a:endParaRPr lang="en-US" dirty="0"/>
+          </a:p>
+          <a:p>
+            <a:r>
+              <a:rPr lang="en-US" dirty="0"/>
+              <a:t>return </a:t>
+            </a:r>
+            <a:r>
+              <a:rPr lang="en-US" dirty="0" err="1"/>
+              <a:t>shortest_path</a:t>
+            </a:r>
+            <a:endParaRPr lang="en-US" dirty="0"/>
+          </a:p>
+          <a:p>
+            <a:r>
+              <a:rPr lang="en-US" dirty="0"/>
+              <a:t>			</a:t>
+            </a:r>
+          </a:p>
+        </p:txBody>
+      </p:sp>
+      <p:sp>
+        <p:nvSpPr>
+          <p:cNvPr id="4" name="TextBox 3">
+            <a:extLst>
+              <a:ext uri="{FF2B5EF4-FFF2-40B4-BE49-F238E27FC236}">
+                <a16:creationId xmlns:a16="http://schemas.microsoft.com/office/drawing/2014/main" id="{CDA81C4B-C2DB-A916-4F6E-69456403D1B5}"/>
+              </a:ext>
+            </a:extLst>
+          </p:cNvPr>
+          <p:cNvSpPr txBox="1"/>
+          <p:nvPr/>
+        </p:nvSpPr>
+        <p:spPr>
+          <a:xfrm>
+            <a:off x="6138041" y="1108841"/>
+            <a:ext cx="2678938" cy="2031325"/>
+          </a:xfrm>
+          <a:prstGeom prst="rect">
+            <a:avLst/>
+          </a:prstGeom>
+          <a:noFill/>
+        </p:spPr>
+        <p:txBody>
+          <a:bodyPr wrap="none" rtlCol="0">
+            <a:spAutoFit/>
+          </a:bodyPr>
+          <a:lstStyle/>
+          <a:p>
+            <a:r>
+              <a:rPr lang="en-US" dirty="0"/>
+              <a:t>Runtime Analysis</a:t>
+            </a:r>
+          </a:p>
+          <a:p>
+            <a:endParaRPr lang="en-US" dirty="0"/>
+          </a:p>
+          <a:p>
+            <a:r>
+              <a:rPr lang="en-US" dirty="0"/>
+              <a:t>Work done within while:</a:t>
+            </a:r>
+          </a:p>
+          <a:p>
+            <a:r>
+              <a:rPr lang="en-US" dirty="0"/>
+              <a:t>	v E n iterations</a:t>
+            </a:r>
+          </a:p>
+          <a:p>
+            <a:r>
+              <a:rPr lang="en-US" dirty="0"/>
+              <a:t>Work addressed by while:</a:t>
+            </a:r>
+          </a:p>
+          <a:p>
+            <a:r>
+              <a:rPr lang="en-US" dirty="0"/>
+              <a:t>	n * (n - 1) * (n - 2)…</a:t>
+            </a:r>
+          </a:p>
+          <a:p>
+            <a:endParaRPr lang="en-US" dirty="0"/>
+          </a:p>
+          <a:p>
+            <a:r>
+              <a:rPr lang="en-US" dirty="0"/>
+              <a:t>Combined:</a:t>
+            </a:r>
+          </a:p>
+          <a:p>
+            <a:r>
+              <a:rPr lang="en-US" dirty="0"/>
+              <a:t>	(n^2)!</a:t>
+            </a:r>
           </a:p>
         </p:txBody>
       </p:sp>

--- a/problem_presentation/CS412 - final project presentation TSP .pptx
+++ b/problem_presentation/CS412 - final project presentation TSP .pptx
@@ -29,7 +29,7 @@
   <p:notesSz cx="6858000" cy="9144000"/>
   <p:embeddedFontLst>
     <p:embeddedFont>
-      <p:font typeface="Nunito" pitchFamily="2" charset="77"/>
+      <p:font typeface="Nunito" pitchFamily="2" charset="0"/>
       <p:regular r:id="rId19"/>
       <p:bold r:id="rId20"/>
       <p:italic r:id="rId21"/>
@@ -11366,7 +11366,7 @@
             </a:r>
             <a:r>
               <a:rPr lang="en-US" dirty="0"/>
-              <a:t> O(n²) - Polynomial time guaranteed!</a:t>
+              <a:t> O(n²) - Polynomial time guaranteed</a:t>
             </a:r>
           </a:p>
         </p:txBody>
@@ -12540,12 +12540,6 @@
           <a:p>
             <a:r>
               <a:rPr lang="en-US" dirty="0"/>
-              <a:t>Test cases and implementation based on CS412 Final Project specification</a:t>
-            </a:r>
-          </a:p>
-          <a:p>
-            <a:r>
-              <a:rPr lang="en-US" dirty="0"/>
               <a:t>Geeks for geeks </a:t>
             </a:r>
             <a:r>
@@ -12555,6 +12549,12 @@
               <a:t>https://www.geeksforgeeks.org/dsa/traveling-salesman-problem-tsp-in-python/</a:t>
             </a:r>
             <a:endParaRPr lang="en-US" dirty="0"/>
+          </a:p>
+          <a:p>
+            <a:r>
+              <a:rPr lang="en-US" dirty="0"/>
+              <a:t>Copilot and Claude to help create graphics</a:t>
+            </a:r>
           </a:p>
           <a:p>
             <a:pPr marL="146050" indent="0">
@@ -13259,7 +13259,7 @@
             </a:pPr>
             <a:r>
               <a:rPr lang="en-US" b="1" dirty="0"/>
-              <a:t>Total: O(n) - Polynomial!</a:t>
+              <a:t>Total: O(n) - Polynomial</a:t>
             </a:r>
             <a:endParaRPr lang="en-US" dirty="0"/>
           </a:p>

--- a/problem_presentation/CS412 - final project presentation TSP .pptx
+++ b/problem_presentation/CS412 - final project presentation TSP .pptx
@@ -12814,7 +12814,7 @@
         <p:spPr>
           <a:xfrm>
             <a:off x="932089" y="2051131"/>
-            <a:ext cx="7279821" cy="2246769"/>
+            <a:ext cx="7279821" cy="1600438"/>
           </a:xfrm>
           <a:prstGeom prst="rect">
             <a:avLst/>
@@ -12932,27 +12932,6 @@
               </a:rPr>
               <a:t>Output: YES if there exists a tour with total cost ≤ k, NO otherwise</a:t>
             </a:r>
-          </a:p>
-          <a:p>
-            <a:pPr marL="285750" lvl="1" indent="-285750">
-              <a:buFont typeface="Arial" panose="020B0604020202020204" pitchFamily="34" charset="0"/>
-              <a:buChar char="•"/>
-            </a:pPr>
-            <a:r>
-              <a:rPr lang="en-US" dirty="0">
-                <a:latin typeface="Calibri" panose="020F0502020204030204" pitchFamily="34" charset="0"/>
-                <a:ea typeface="Calibri" panose="020F0502020204030204" pitchFamily="34" charset="0"/>
-                <a:cs typeface="Calibri" panose="020F0502020204030204" pitchFamily="34" charset="0"/>
-              </a:rPr>
-              <a:t>This is the version used to prove NP-completeness</a:t>
-            </a:r>
-            <a:br>
-              <a:rPr lang="en-US" dirty="0"/>
-            </a:br>
-            <a:endParaRPr lang="en-US" dirty="0"/>
-          </a:p>
-          <a:p>
-            <a:endParaRPr lang="en-US" dirty="0"/>
           </a:p>
         </p:txBody>
       </p:sp>
